--- a/Presentation/Bob The Bunny.pptx
+++ b/Presentation/Bob The Bunny.pptx
@@ -4660,14 +4660,14 @@
           </a:ln>
           <a:extLst>
             <a:ext uri="{909E8E84-426E-40dd-AFC4-6F175D3DCCD1}">
-              <a14:hiddenFill xmlns:a14="http://schemas.microsoft.com/office/drawing/2010/main" xmlns="">
+              <a14:hiddenFill xmlns="" xmlns:a14="http://schemas.microsoft.com/office/drawing/2010/main">
                 <a:solidFill>
                   <a:schemeClr val="accent1"/>
                 </a:solidFill>
               </a14:hiddenFill>
             </a:ext>
             <a:ext uri="{91240B29-F687-4f45-9708-019B960494DF}">
-              <a14:hiddenLine xmlns:a14="http://schemas.microsoft.com/office/drawing/2010/main" xmlns="" w="9525">
+              <a14:hiddenLine xmlns="" xmlns:a14="http://schemas.microsoft.com/office/drawing/2010/main" w="9525">
                 <a:solidFill>
                   <a:schemeClr val="tx1"/>
                 </a:solidFill>
@@ -4711,7 +4711,7 @@
           <a:noFill/>
           <a:extLst>
             <a:ext uri="{909E8E84-426E-40dd-AFC4-6F175D3DCCD1}">
-              <a14:hiddenFill xmlns:a14="http://schemas.microsoft.com/office/drawing/2010/main" xmlns="">
+              <a14:hiddenFill xmlns="" xmlns:a14="http://schemas.microsoft.com/office/drawing/2010/main">
                 <a:solidFill>
                   <a:srgbClr val="FFFFFF"/>
                 </a:solidFill>
@@ -4769,14 +4769,14 @@
             </a:ln>
             <a:extLst>
               <a:ext uri="{909E8E84-426E-40dd-AFC4-6F175D3DCCD1}">
-                <a14:hiddenFill xmlns:a14="http://schemas.microsoft.com/office/drawing/2010/main" xmlns="">
+                <a14:hiddenFill xmlns="" xmlns:a14="http://schemas.microsoft.com/office/drawing/2010/main">
                   <a:solidFill>
                     <a:schemeClr val="accent1"/>
                   </a:solidFill>
                 </a14:hiddenFill>
               </a:ext>
               <a:ext uri="{91240B29-F687-4f45-9708-019B960494DF}">
-                <a14:hiddenLine xmlns:a14="http://schemas.microsoft.com/office/drawing/2010/main" xmlns="" w="9525">
+                <a14:hiddenLine xmlns="" xmlns:a14="http://schemas.microsoft.com/office/drawing/2010/main" w="9525">
                   <a:solidFill>
                     <a:schemeClr val="tx1"/>
                   </a:solidFill>
@@ -4820,7 +4820,7 @@
             <a:noFill/>
             <a:extLst>
               <a:ext uri="{909E8E84-426E-40dd-AFC4-6F175D3DCCD1}">
-                <a14:hiddenFill xmlns:a14="http://schemas.microsoft.com/office/drawing/2010/main" xmlns="">
+                <a14:hiddenFill xmlns="" xmlns:a14="http://schemas.microsoft.com/office/drawing/2010/main">
                   <a:solidFill>
                     <a:srgbClr val="FFFFFF"/>
                   </a:solidFill>
@@ -4937,9 +4937,42 @@
           </a:xfrm>
         </p:spPr>
         <p:txBody>
-          <a:bodyPr/>
+          <a:bodyPr>
+            <a:normAutofit lnSpcReduction="10000"/>
+          </a:bodyPr>
           <a:lstStyle/>
           <a:p>
+            <a:r>
+              <a:rPr lang="en-CA" dirty="0" smtClean="0"/>
+              <a:t>The game uses transportation portals to teleport the rabbit across the board.</a:t>
+            </a:r>
+          </a:p>
+          <a:p>
+            <a:endParaRPr lang="en-CA" dirty="0"/>
+          </a:p>
+          <a:p>
+            <a:r>
+              <a:rPr lang="en-CA" dirty="0" smtClean="0"/>
+              <a:t>These portals contain conditions statements that require the bunny to have a certain amount of carrots before passing the portal.</a:t>
+            </a:r>
+          </a:p>
+          <a:p>
+            <a:endParaRPr lang="en-CA" dirty="0"/>
+          </a:p>
+          <a:p>
+            <a:r>
+              <a:rPr lang="en-CA" dirty="0" smtClean="0"/>
+              <a:t>If the bunny does not have the correct amount of carrots, the bunny will be transported back to the first portal of the two.</a:t>
+            </a:r>
+          </a:p>
+          <a:p>
+            <a:endParaRPr lang="en-CA" dirty="0"/>
+          </a:p>
+          <a:p>
+            <a:r>
+              <a:rPr lang="en-CA" dirty="0" smtClean="0"/>
+              <a:t>These portals act as both for and while loops. They contain condition variables and have repeated processes that determine if the bunny can exit the transportation loop.</a:t>
+            </a:r>
             <a:endParaRPr lang="en-CA" dirty="0"/>
           </a:p>
         </p:txBody>
@@ -4979,14 +5012,14 @@
           </a:ln>
           <a:extLst>
             <a:ext uri="{909E8E84-426E-40dd-AFC4-6F175D3DCCD1}">
-              <a14:hiddenFill xmlns:a14="http://schemas.microsoft.com/office/drawing/2010/main" xmlns="">
+              <a14:hiddenFill xmlns="" xmlns:a14="http://schemas.microsoft.com/office/drawing/2010/main">
                 <a:solidFill>
                   <a:schemeClr val="accent1"/>
                 </a:solidFill>
               </a14:hiddenFill>
             </a:ext>
             <a:ext uri="{91240B29-F687-4f45-9708-019B960494DF}">
-              <a14:hiddenLine xmlns:a14="http://schemas.microsoft.com/office/drawing/2010/main" xmlns="" w="9525">
+              <a14:hiddenLine xmlns="" xmlns:a14="http://schemas.microsoft.com/office/drawing/2010/main" w="9525">
                 <a:solidFill>
                   <a:schemeClr val="tx1"/>
                 </a:solidFill>
@@ -5147,14 +5180,14 @@
           </a:ln>
           <a:extLst>
             <a:ext uri="{909E8E84-426E-40dd-AFC4-6F175D3DCCD1}">
-              <a14:hiddenFill xmlns:a14="http://schemas.microsoft.com/office/drawing/2010/main" xmlns="">
+              <a14:hiddenFill xmlns="" xmlns:a14="http://schemas.microsoft.com/office/drawing/2010/main">
                 <a:solidFill>
                   <a:schemeClr val="accent1"/>
                 </a:solidFill>
               </a14:hiddenFill>
             </a:ext>
             <a:ext uri="{91240B29-F687-4f45-9708-019B960494DF}">
-              <a14:hiddenLine xmlns:a14="http://schemas.microsoft.com/office/drawing/2010/main" xmlns="" w="9525">
+              <a14:hiddenLine xmlns="" xmlns:a14="http://schemas.microsoft.com/office/drawing/2010/main" w="9525">
                 <a:solidFill>
                   <a:schemeClr val="tx1"/>
                 </a:solidFill>
@@ -5291,14 +5324,14 @@
           </a:ln>
           <a:extLst>
             <a:ext uri="{909E8E84-426E-40dd-AFC4-6F175D3DCCD1}">
-              <a14:hiddenFill xmlns:a14="http://schemas.microsoft.com/office/drawing/2010/main" xmlns="">
+              <a14:hiddenFill xmlns="" xmlns:a14="http://schemas.microsoft.com/office/drawing/2010/main">
                 <a:solidFill>
                   <a:schemeClr val="accent1"/>
                 </a:solidFill>
               </a14:hiddenFill>
             </a:ext>
             <a:ext uri="{91240B29-F687-4f45-9708-019B960494DF}">
-              <a14:hiddenLine xmlns:a14="http://schemas.microsoft.com/office/drawing/2010/main" xmlns="" w="9525">
+              <a14:hiddenLine xmlns="" xmlns:a14="http://schemas.microsoft.com/office/drawing/2010/main" w="9525">
                 <a:solidFill>
                   <a:schemeClr val="tx1"/>
                 </a:solidFill>
@@ -5458,14 +5491,14 @@
           </a:ln>
           <a:extLst>
             <a:ext uri="{909E8E84-426E-40dd-AFC4-6F175D3DCCD1}">
-              <a14:hiddenFill xmlns:a14="http://schemas.microsoft.com/office/drawing/2010/main" xmlns="">
+              <a14:hiddenFill xmlns="" xmlns:a14="http://schemas.microsoft.com/office/drawing/2010/main">
                 <a:solidFill>
                   <a:schemeClr val="accent1"/>
                 </a:solidFill>
               </a14:hiddenFill>
             </a:ext>
             <a:ext uri="{91240B29-F687-4f45-9708-019B960494DF}">
-              <a14:hiddenLine xmlns:a14="http://schemas.microsoft.com/office/drawing/2010/main" xmlns="" w="9525">
+              <a14:hiddenLine xmlns="" xmlns:a14="http://schemas.microsoft.com/office/drawing/2010/main" w="9525">
                 <a:solidFill>
                   <a:schemeClr val="tx1"/>
                 </a:solidFill>
@@ -5688,14 +5721,14 @@
           </a:ln>
           <a:extLst>
             <a:ext uri="{909E8E84-426E-40dd-AFC4-6F175D3DCCD1}">
-              <a14:hiddenFill xmlns:a14="http://schemas.microsoft.com/office/drawing/2010/main" xmlns="">
+              <a14:hiddenFill xmlns="" xmlns:a14="http://schemas.microsoft.com/office/drawing/2010/main">
                 <a:solidFill>
                   <a:schemeClr val="accent1"/>
                 </a:solidFill>
               </a14:hiddenFill>
             </a:ext>
             <a:ext uri="{91240B29-F687-4f45-9708-019B960494DF}">
-              <a14:hiddenLine xmlns:a14="http://schemas.microsoft.com/office/drawing/2010/main" xmlns="" w="9525">
+              <a14:hiddenLine xmlns="" xmlns:a14="http://schemas.microsoft.com/office/drawing/2010/main" w="9525">
                 <a:solidFill>
                   <a:schemeClr val="tx1"/>
                 </a:solidFill>
@@ -5887,14 +5920,14 @@
           </a:ln>
           <a:extLst>
             <a:ext uri="{909E8E84-426E-40dd-AFC4-6F175D3DCCD1}">
-              <a14:hiddenFill xmlns:a14="http://schemas.microsoft.com/office/drawing/2010/main" xmlns="">
+              <a14:hiddenFill xmlns="" xmlns:a14="http://schemas.microsoft.com/office/drawing/2010/main">
                 <a:solidFill>
                   <a:schemeClr val="accent1"/>
                 </a:solidFill>
               </a14:hiddenFill>
             </a:ext>
             <a:ext uri="{91240B29-F687-4f45-9708-019B960494DF}">
-              <a14:hiddenLine xmlns:a14="http://schemas.microsoft.com/office/drawing/2010/main" xmlns="" w="9525">
+              <a14:hiddenLine xmlns="" xmlns:a14="http://schemas.microsoft.com/office/drawing/2010/main" w="9525">
                 <a:solidFill>
                   <a:schemeClr val="tx1"/>
                 </a:solidFill>
@@ -6059,14 +6092,14 @@
           </a:ln>
           <a:extLst>
             <a:ext uri="{909E8E84-426E-40dd-AFC4-6F175D3DCCD1}">
-              <a14:hiddenFill xmlns:a14="http://schemas.microsoft.com/office/drawing/2010/main" xmlns="">
+              <a14:hiddenFill xmlns="" xmlns:a14="http://schemas.microsoft.com/office/drawing/2010/main">
                 <a:solidFill>
                   <a:schemeClr val="accent1"/>
                 </a:solidFill>
               </a14:hiddenFill>
             </a:ext>
             <a:ext uri="{91240B29-F687-4f45-9708-019B960494DF}">
-              <a14:hiddenLine xmlns:a14="http://schemas.microsoft.com/office/drawing/2010/main" xmlns="" w="9525">
+              <a14:hiddenLine xmlns="" xmlns:a14="http://schemas.microsoft.com/office/drawing/2010/main" w="9525">
                 <a:solidFill>
                   <a:schemeClr val="tx1"/>
                 </a:solidFill>
@@ -6626,14 +6659,14 @@
           </a:ln>
           <a:extLst>
             <a:ext uri="{909E8E84-426E-40dd-AFC4-6F175D3DCCD1}">
-              <a14:hiddenFill xmlns:a14="http://schemas.microsoft.com/office/drawing/2010/main" xmlns="">
+              <a14:hiddenFill xmlns="" xmlns:a14="http://schemas.microsoft.com/office/drawing/2010/main">
                 <a:solidFill>
                   <a:schemeClr val="accent1"/>
                 </a:solidFill>
               </a14:hiddenFill>
             </a:ext>
             <a:ext uri="{91240B29-F687-4f45-9708-019B960494DF}">
-              <a14:hiddenLine xmlns:a14="http://schemas.microsoft.com/office/drawing/2010/main" xmlns="" w="9525">
+              <a14:hiddenLine xmlns="" xmlns:a14="http://schemas.microsoft.com/office/drawing/2010/main" w="9525">
                 <a:solidFill>
                   <a:schemeClr val="tx1"/>
                 </a:solidFill>
@@ -6819,14 +6852,14 @@
           </a:ln>
           <a:extLst>
             <a:ext uri="{909E8E84-426E-40dd-AFC4-6F175D3DCCD1}">
-              <a14:hiddenFill xmlns:a14="http://schemas.microsoft.com/office/drawing/2010/main" xmlns="">
+              <a14:hiddenFill xmlns="" xmlns:a14="http://schemas.microsoft.com/office/drawing/2010/main">
                 <a:solidFill>
                   <a:schemeClr val="accent1"/>
                 </a:solidFill>
               </a14:hiddenFill>
             </a:ext>
             <a:ext uri="{91240B29-F687-4f45-9708-019B960494DF}">
-              <a14:hiddenLine xmlns:a14="http://schemas.microsoft.com/office/drawing/2010/main" xmlns="" w="9525">
+              <a14:hiddenLine xmlns="" xmlns:a14="http://schemas.microsoft.com/office/drawing/2010/main" w="9525">
                 <a:solidFill>
                   <a:schemeClr val="tx1"/>
                 </a:solidFill>
@@ -6922,7 +6955,7 @@
           <a:p>
             <a:r>
               <a:rPr lang="en-CA" dirty="0" smtClean="0"/>
-              <a:t>Using Variables</a:t>
+              <a:t>Variables</a:t>
             </a:r>
             <a:endParaRPr lang="en-CA" dirty="0"/>
           </a:p>
@@ -6948,6 +6981,28 @@
           <a:bodyPr/>
           <a:lstStyle/>
           <a:p>
+            <a:r>
+              <a:rPr lang="en-CA" dirty="0" smtClean="0"/>
+              <a:t>The game contains unique interactive elements that are carrots.</a:t>
+            </a:r>
+          </a:p>
+          <a:p>
+            <a:endParaRPr lang="en-CA" dirty="0"/>
+          </a:p>
+          <a:p>
+            <a:r>
+              <a:rPr lang="en-CA" dirty="0" smtClean="0"/>
+              <a:t>These carrots are collected throughout the map and are used to gain entry into Bob the Bunny’s house or into the next level.</a:t>
+            </a:r>
+          </a:p>
+          <a:p>
+            <a:endParaRPr lang="en-CA" dirty="0"/>
+          </a:p>
+          <a:p>
+            <a:r>
+              <a:rPr lang="en-CA" dirty="0" smtClean="0"/>
+              <a:t>These carrots act as simple integer variables.  Bob can carry multiple carrots and are used to limit access into game areas based on the number of carrots that Bob is currently carrying.</a:t>
+            </a:r>
             <a:endParaRPr lang="en-CA" dirty="0"/>
           </a:p>
         </p:txBody>
@@ -6987,14 +7042,14 @@
           </a:ln>
           <a:extLst>
             <a:ext uri="{909E8E84-426E-40dd-AFC4-6F175D3DCCD1}">
-              <a14:hiddenFill xmlns:a14="http://schemas.microsoft.com/office/drawing/2010/main" xmlns="">
+              <a14:hiddenFill xmlns="" xmlns:a14="http://schemas.microsoft.com/office/drawing/2010/main">
                 <a:solidFill>
                   <a:schemeClr val="accent1"/>
                 </a:solidFill>
               </a14:hiddenFill>
             </a:ext>
             <a:ext uri="{91240B29-F687-4f45-9708-019B960494DF}">
-              <a14:hiddenLine xmlns:a14="http://schemas.microsoft.com/office/drawing/2010/main" xmlns="" w="9525">
+              <a14:hiddenLine xmlns="" xmlns:a14="http://schemas.microsoft.com/office/drawing/2010/main" w="9525">
                 <a:solidFill>
                   <a:schemeClr val="tx1"/>
                 </a:solidFill>
@@ -7116,6 +7171,28 @@
           <a:bodyPr/>
           <a:lstStyle/>
           <a:p>
+            <a:r>
+              <a:rPr lang="en-CA" dirty="0" smtClean="0"/>
+              <a:t>Our system uses specific arrows to change the direction of Bob the Bunny.</a:t>
+            </a:r>
+          </a:p>
+          <a:p>
+            <a:endParaRPr lang="en-CA" dirty="0"/>
+          </a:p>
+          <a:p>
+            <a:r>
+              <a:rPr lang="en-CA" dirty="0" smtClean="0"/>
+              <a:t>These arrows change the direction of the bunny’s travel if the bunny is not travelling in the arrow.</a:t>
+            </a:r>
+          </a:p>
+          <a:p>
+            <a:endParaRPr lang="en-CA" dirty="0"/>
+          </a:p>
+          <a:p>
+            <a:r>
+              <a:rPr lang="en-CA" dirty="0" smtClean="0"/>
+              <a:t>These arrows are condition statements in principle. They teach the child that if the bunny is not going in the direction of the arrow, then the bunny will change directions.</a:t>
+            </a:r>
             <a:endParaRPr lang="en-CA" dirty="0"/>
           </a:p>
         </p:txBody>
@@ -7155,14 +7232,14 @@
           </a:ln>
           <a:extLst>
             <a:ext uri="{909E8E84-426E-40dd-AFC4-6F175D3DCCD1}">
-              <a14:hiddenFill xmlns:a14="http://schemas.microsoft.com/office/drawing/2010/main" xmlns="">
+              <a14:hiddenFill xmlns="" xmlns:a14="http://schemas.microsoft.com/office/drawing/2010/main">
                 <a:solidFill>
                   <a:schemeClr val="accent1"/>
                 </a:solidFill>
               </a14:hiddenFill>
             </a:ext>
             <a:ext uri="{91240B29-F687-4f45-9708-019B960494DF}">
-              <a14:hiddenLine xmlns:a14="http://schemas.microsoft.com/office/drawing/2010/main" xmlns="" w="9525">
+              <a14:hiddenLine xmlns="" xmlns:a14="http://schemas.microsoft.com/office/drawing/2010/main" w="9525">
                 <a:solidFill>
                   <a:schemeClr val="tx1"/>
                 </a:solidFill>

--- a/Presentation/Bob The Bunny.pptx
+++ b/Presentation/Bob The Bunny.pptx
@@ -7,7 +7,7 @@
     <p:sldMasterId id="2147483694" r:id="rId3"/>
   </p:sldMasterIdLst>
   <p:notesMasterIdLst>
-    <p:notesMasterId r:id="rId16"/>
+    <p:notesMasterId r:id="rId17"/>
   </p:notesMasterIdLst>
   <p:sldIdLst>
     <p:sldId id="256" r:id="rId4"/>
@@ -20,8 +20,9 @@
     <p:sldId id="265" r:id="rId11"/>
     <p:sldId id="263" r:id="rId12"/>
     <p:sldId id="264" r:id="rId13"/>
-    <p:sldId id="266" r:id="rId14"/>
-    <p:sldId id="267" r:id="rId15"/>
+    <p:sldId id="268" r:id="rId14"/>
+    <p:sldId id="266" r:id="rId15"/>
+    <p:sldId id="267" r:id="rId16"/>
   </p:sldIdLst>
   <p:sldSz cx="9144000" cy="6858000" type="screen4x3"/>
   <p:notesSz cx="6858000" cy="9144000"/>
@@ -4612,14 +4613,27 @@
             <p:ph type="body" sz="quarter" idx="10"/>
           </p:nvPr>
         </p:nvSpPr>
-        <p:spPr/>
+        <p:spPr>
+          <a:xfrm>
+            <a:off x="4824549" y="5308600"/>
+            <a:ext cx="4052751" cy="825500"/>
+          </a:xfrm>
+        </p:spPr>
         <p:txBody>
           <a:bodyPr/>
           <a:lstStyle/>
           <a:p>
             <a:r>
               <a:rPr lang="en-CA" dirty="0" smtClean="0"/>
-              <a:t>OEC 2016 – UOIT Entry</a:t>
+              <a:t>OEC </a:t>
+            </a:r>
+            <a:r>
+              <a:rPr lang="en-CA" dirty="0" smtClean="0"/>
+              <a:t>2016 Programming </a:t>
+            </a:r>
+            <a:r>
+              <a:rPr lang="en-CA" dirty="0" smtClean="0"/>
+              <a:t>– UOIT Entry</a:t>
             </a:r>
             <a:endParaRPr lang="en-CA" dirty="0"/>
           </a:p>
@@ -4660,14 +4674,14 @@
           </a:ln>
           <a:extLst>
             <a:ext uri="{909E8E84-426E-40dd-AFC4-6F175D3DCCD1}">
-              <a14:hiddenFill xmlns="" xmlns:a14="http://schemas.microsoft.com/office/drawing/2010/main">
+              <a14:hiddenFill xmlns:a14="http://schemas.microsoft.com/office/drawing/2010/main" xmlns="">
                 <a:solidFill>
                   <a:schemeClr val="accent1"/>
                 </a:solidFill>
               </a14:hiddenFill>
             </a:ext>
             <a:ext uri="{91240B29-F687-4f45-9708-019B960494DF}">
-              <a14:hiddenLine xmlns="" xmlns:a14="http://schemas.microsoft.com/office/drawing/2010/main" w="9525">
+              <a14:hiddenLine xmlns:a14="http://schemas.microsoft.com/office/drawing/2010/main" xmlns="" w="9525">
                 <a:solidFill>
                   <a:schemeClr val="tx1"/>
                 </a:solidFill>
@@ -4711,7 +4725,7 @@
           <a:noFill/>
           <a:extLst>
             <a:ext uri="{909E8E84-426E-40dd-AFC4-6F175D3DCCD1}">
-              <a14:hiddenFill xmlns="" xmlns:a14="http://schemas.microsoft.com/office/drawing/2010/main">
+              <a14:hiddenFill xmlns:a14="http://schemas.microsoft.com/office/drawing/2010/main" xmlns="">
                 <a:solidFill>
                   <a:srgbClr val="FFFFFF"/>
                 </a:solidFill>
@@ -4769,14 +4783,14 @@
             </a:ln>
             <a:extLst>
               <a:ext uri="{909E8E84-426E-40dd-AFC4-6F175D3DCCD1}">
-                <a14:hiddenFill xmlns="" xmlns:a14="http://schemas.microsoft.com/office/drawing/2010/main">
+                <a14:hiddenFill xmlns:a14="http://schemas.microsoft.com/office/drawing/2010/main" xmlns="">
                   <a:solidFill>
                     <a:schemeClr val="accent1"/>
                   </a:solidFill>
                 </a14:hiddenFill>
               </a:ext>
               <a:ext uri="{91240B29-F687-4f45-9708-019B960494DF}">
-                <a14:hiddenLine xmlns="" xmlns:a14="http://schemas.microsoft.com/office/drawing/2010/main" w="9525">
+                <a14:hiddenLine xmlns:a14="http://schemas.microsoft.com/office/drawing/2010/main" xmlns="" w="9525">
                   <a:solidFill>
                     <a:schemeClr val="tx1"/>
                   </a:solidFill>
@@ -4820,7 +4834,7 @@
             <a:noFill/>
             <a:extLst>
               <a:ext uri="{909E8E84-426E-40dd-AFC4-6F175D3DCCD1}">
-                <a14:hiddenFill xmlns="" xmlns:a14="http://schemas.microsoft.com/office/drawing/2010/main">
+                <a14:hiddenFill xmlns:a14="http://schemas.microsoft.com/office/drawing/2010/main" xmlns="">
                   <a:solidFill>
                     <a:srgbClr val="FFFFFF"/>
                   </a:solidFill>
@@ -4938,7 +4952,7 @@
         </p:spPr>
         <p:txBody>
           <a:bodyPr>
-            <a:normAutofit lnSpcReduction="10000"/>
+            <a:normAutofit/>
           </a:bodyPr>
           <a:lstStyle/>
           <a:p>
@@ -4948,31 +4962,29 @@
             </a:r>
           </a:p>
           <a:p>
+            <a:r>
+              <a:rPr lang="en-CA" dirty="0" smtClean="0"/>
+              <a:t>	</a:t>
+            </a:r>
+          </a:p>
+          <a:p>
+            <a:r>
+              <a:rPr lang="en-CA" dirty="0"/>
+              <a:t>	</a:t>
+            </a:r>
+            <a:r>
+              <a:rPr lang="en-CA" dirty="0" smtClean="0"/>
+              <a:t> - Portals require a certain number of carrots to 	   pass</a:t>
+            </a:r>
             <a:endParaRPr lang="en-CA" dirty="0"/>
           </a:p>
           <a:p>
             <a:r>
               <a:rPr lang="en-CA" dirty="0" smtClean="0"/>
-              <a:t>These portals contain conditions statements that require the bunny to have a certain amount of carrots before passing the portal.</a:t>
-            </a:r>
-          </a:p>
-          <a:p>
-            <a:endParaRPr lang="en-CA" dirty="0"/>
-          </a:p>
-          <a:p>
-            <a:r>
-              <a:rPr lang="en-CA" dirty="0" smtClean="0"/>
-              <a:t>If the bunny does not have the correct amount of carrots, the bunny will be transported back to the first portal of the two.</a:t>
-            </a:r>
-          </a:p>
-          <a:p>
-            <a:endParaRPr lang="en-CA" dirty="0"/>
-          </a:p>
-          <a:p>
-            <a:r>
-              <a:rPr lang="en-CA" dirty="0" smtClean="0"/>
-              <a:t>These portals act as both for and while loops. They contain condition variables and have repeated processes that determine if the bunny can exit the transportation loop.</a:t>
-            </a:r>
+              <a:t>	 - Carrot requirement acts as condition statement</a:t>
+            </a:r>
+          </a:p>
+          <a:p>
             <a:endParaRPr lang="en-CA" dirty="0"/>
           </a:p>
         </p:txBody>
@@ -5012,14 +5024,14 @@
           </a:ln>
           <a:extLst>
             <a:ext uri="{909E8E84-426E-40dd-AFC4-6F175D3DCCD1}">
-              <a14:hiddenFill xmlns="" xmlns:a14="http://schemas.microsoft.com/office/drawing/2010/main">
+              <a14:hiddenFill xmlns:a14="http://schemas.microsoft.com/office/drawing/2010/main" xmlns="">
                 <a:solidFill>
                   <a:schemeClr val="accent1"/>
                 </a:solidFill>
               </a14:hiddenFill>
             </a:ext>
             <a:ext uri="{91240B29-F687-4f45-9708-019B960494DF}">
-              <a14:hiddenLine xmlns="" xmlns:a14="http://schemas.microsoft.com/office/drawing/2010/main" w="9525">
+              <a14:hiddenLine xmlns:a14="http://schemas.microsoft.com/office/drawing/2010/main" xmlns="" w="9525">
                 <a:solidFill>
                   <a:schemeClr val="tx1"/>
                 </a:solidFill>
@@ -5115,7 +5127,7 @@
           <a:p>
             <a:r>
               <a:rPr lang="en-CA" dirty="0" smtClean="0"/>
-              <a:t>Subroutines</a:t>
+              <a:t>Inputting Commands</a:t>
             </a:r>
             <a:endParaRPr lang="en-CA" dirty="0"/>
           </a:p>
@@ -5138,9 +5150,55 @@
           </a:xfrm>
         </p:spPr>
         <p:txBody>
-          <a:bodyPr/>
+          <a:bodyPr>
+            <a:normAutofit/>
+          </a:bodyPr>
           <a:lstStyle/>
           <a:p>
+            <a:r>
+              <a:rPr lang="en-CA" dirty="0" smtClean="0"/>
+              <a:t>There are some levels in the game that Bob cannot complete without the help of the user. Our game allows the user to change the location of the modifiers.</a:t>
+            </a:r>
+          </a:p>
+          <a:p>
+            <a:endParaRPr lang="en-CA" dirty="0"/>
+          </a:p>
+          <a:p>
+            <a:r>
+              <a:rPr lang="en-CA" dirty="0"/>
+              <a:t>	</a:t>
+            </a:r>
+            <a:r>
+              <a:rPr lang="en-CA" dirty="0" smtClean="0"/>
+              <a:t>- User can drag and drop almost all </a:t>
+            </a:r>
+            <a:r>
+              <a:rPr lang="en-CA" dirty="0"/>
+              <a:t>modifiers </a:t>
+            </a:r>
+            <a:r>
+              <a:rPr lang="en-CA" dirty="0" smtClean="0"/>
+              <a:t>	  that exist on the map</a:t>
+            </a:r>
+            <a:endParaRPr lang="en-CA" dirty="0" smtClean="0"/>
+          </a:p>
+          <a:p>
+            <a:r>
+              <a:rPr lang="en-CA" dirty="0" smtClean="0"/>
+              <a:t>	- Once the modifier is dropped, the tw</a:t>
+            </a:r>
+            <a:r>
+              <a:rPr lang="en-CA" dirty="0" smtClean="0"/>
+              <a:t>o </a:t>
+            </a:r>
+            <a:r>
+              <a:rPr lang="en-CA" dirty="0"/>
+              <a:t>modifiers </a:t>
+            </a:r>
+            <a:r>
+              <a:rPr lang="en-CA" dirty="0" smtClean="0"/>
+              <a:t>	  switch their position.</a:t>
+            </a:r>
             <a:endParaRPr lang="en-CA" dirty="0"/>
           </a:p>
         </p:txBody>
@@ -5180,14 +5238,14 @@
           </a:ln>
           <a:extLst>
             <a:ext uri="{909E8E84-426E-40dd-AFC4-6F175D3DCCD1}">
-              <a14:hiddenFill xmlns="" xmlns:a14="http://schemas.microsoft.com/office/drawing/2010/main">
+              <a14:hiddenFill xmlns:a14="http://schemas.microsoft.com/office/drawing/2010/main" xmlns="">
                 <a:solidFill>
                   <a:schemeClr val="accent1"/>
                 </a:solidFill>
               </a14:hiddenFill>
             </a:ext>
             <a:ext uri="{91240B29-F687-4f45-9708-019B960494DF}">
-              <a14:hiddenLine xmlns="" xmlns:a14="http://schemas.microsoft.com/office/drawing/2010/main" w="9525">
+              <a14:hiddenLine xmlns:a14="http://schemas.microsoft.com/office/drawing/2010/main" xmlns="" w="9525">
                 <a:solidFill>
                   <a:schemeClr val="tx1"/>
                 </a:solidFill>
@@ -5202,7 +5260,7 @@
     </p:spTree>
     <p:extLst>
       <p:ext uri="{BB962C8B-B14F-4D97-AF65-F5344CB8AC3E}">
-        <p14:creationId xmlns:p14="http://schemas.microsoft.com/office/powerpoint/2010/main" val="1144224404"/>
+        <p14:creationId xmlns:p14="http://schemas.microsoft.com/office/powerpoint/2010/main" val="141039816"/>
       </p:ext>
     </p:extLst>
   </p:cSld>
@@ -5283,7 +5341,91 @@
           <a:p>
             <a:r>
               <a:rPr lang="en-CA" dirty="0" smtClean="0"/>
-              <a:t>Demonstration</a:t>
+              <a:t>Subroutines</a:t>
+            </a:r>
+            <a:endParaRPr lang="en-CA" dirty="0"/>
+          </a:p>
+        </p:txBody>
+      </p:sp>
+      <p:sp>
+        <p:nvSpPr>
+          <p:cNvPr id="3" name="Subtitle 2"/>
+          <p:cNvSpPr>
+            <a:spLocks noGrp="1"/>
+          </p:cNvSpPr>
+          <p:nvPr>
+            <p:ph type="subTitle" idx="1"/>
+          </p:nvPr>
+        </p:nvSpPr>
+        <p:spPr>
+          <a:xfrm>
+            <a:off x="3250498" y="2173199"/>
+            <a:ext cx="5626802" cy="4488858"/>
+          </a:xfrm>
+        </p:spPr>
+        <p:txBody>
+          <a:bodyPr/>
+          <a:lstStyle/>
+          <a:p>
+            <a:r>
+              <a:rPr lang="en-CA" dirty="0" smtClean="0"/>
+              <a:t>Not everything can be done in one map in order for Bob to get to his house.</a:t>
+            </a:r>
+          </a:p>
+          <a:p>
+            <a:endParaRPr lang="en-CA" dirty="0"/>
+          </a:p>
+          <a:p>
+            <a:r>
+              <a:rPr lang="en-CA" dirty="0" smtClean="0"/>
+              <a:t>	- Bob has to travel to “sub” maps in order to 	  	  collect his carrots.</a:t>
+            </a:r>
+          </a:p>
+          <a:p>
+            <a:r>
+              <a:rPr lang="en-CA" dirty="0"/>
+              <a:t>	</a:t>
+            </a:r>
+            <a:r>
+              <a:rPr lang="en-CA" dirty="0" smtClean="0"/>
+              <a:t>- Bob travels to these maps through holes.</a:t>
+            </a:r>
+          </a:p>
+          <a:p>
+            <a:r>
+              <a:rPr lang="en-CA" dirty="0"/>
+              <a:t>	</a:t>
+            </a:r>
+            <a:r>
+              <a:rPr lang="en-CA" dirty="0" smtClean="0"/>
+              <a:t>- These sub maps represent sub routines.</a:t>
+            </a:r>
+          </a:p>
+          <a:p>
+            <a:r>
+              <a:rPr lang="en-CA" dirty="0"/>
+              <a:t>	</a:t>
+            </a:r>
+            <a:r>
+              <a:rPr lang="en-CA" dirty="0" smtClean="0"/>
+              <a:t>- Bob travels back to his home through another 	  hole in the ground in the “</a:t>
+            </a:r>
+            <a:r>
+              <a:rPr lang="en-CA" smtClean="0"/>
+              <a:t>sub” map</a:t>
+            </a:r>
+            <a:r>
+              <a:rPr lang="en-CA" dirty="0" smtClean="0"/>
+              <a:t>.</a:t>
+            </a:r>
+          </a:p>
+          <a:p>
+            <a:endParaRPr lang="en-CA" dirty="0"/>
+          </a:p>
+          <a:p>
+            <a:r>
+              <a:rPr lang="en-CA" dirty="0" smtClean="0"/>
+              <a:t>These maps are maps within the levels that help Bob accomplish goals that could not be accomplished in the regular map. Once Bob is done in the “sub” map, he travels back to the hole that he entered from.</a:t>
             </a:r>
             <a:endParaRPr lang="en-CA" dirty="0"/>
           </a:p>
@@ -5324,14 +5466,158 @@
           </a:ln>
           <a:extLst>
             <a:ext uri="{909E8E84-426E-40dd-AFC4-6F175D3DCCD1}">
-              <a14:hiddenFill xmlns="" xmlns:a14="http://schemas.microsoft.com/office/drawing/2010/main">
+              <a14:hiddenFill xmlns:a14="http://schemas.microsoft.com/office/drawing/2010/main" xmlns="">
                 <a:solidFill>
                   <a:schemeClr val="accent1"/>
                 </a:solidFill>
               </a14:hiddenFill>
             </a:ext>
             <a:ext uri="{91240B29-F687-4f45-9708-019B960494DF}">
-              <a14:hiddenLine xmlns="" xmlns:a14="http://schemas.microsoft.com/office/drawing/2010/main" w="9525">
+              <a14:hiddenLine xmlns:a14="http://schemas.microsoft.com/office/drawing/2010/main" xmlns="" w="9525">
+                <a:solidFill>
+                  <a:schemeClr val="tx1"/>
+                </a:solidFill>
+                <a:miter lim="800000"/>
+                <a:headEnd/>
+                <a:tailEnd/>
+              </a14:hiddenLine>
+            </a:ext>
+          </a:extLst>
+        </p:spPr>
+      </p:pic>
+    </p:spTree>
+    <p:extLst>
+      <p:ext uri="{BB962C8B-B14F-4D97-AF65-F5344CB8AC3E}">
+        <p14:creationId xmlns:p14="http://schemas.microsoft.com/office/powerpoint/2010/main" val="1144224404"/>
+      </p:ext>
+    </p:extLst>
+  </p:cSld>
+  <p:clrMapOvr>
+    <a:masterClrMapping/>
+  </p:clrMapOvr>
+  <p:timing>
+    <p:tnLst>
+      <p:par>
+        <p:cTn id="1" dur="indefinite" restart="never" nodeType="tmRoot"/>
+      </p:par>
+    </p:tnLst>
+  </p:timing>
+</p:sld>
+</file>
+
+<file path=ppt/slides/slide13.xml><?xml version="1.0" encoding="utf-8"?>
+<p:sld xmlns:a="http://schemas.openxmlformats.org/drawingml/2006/main" xmlns:r="http://schemas.openxmlformats.org/officeDocument/2006/relationships" xmlns:p="http://schemas.openxmlformats.org/presentationml/2006/main">
+  <p:cSld>
+    <p:spTree>
+      <p:nvGrpSpPr>
+        <p:cNvPr id="1" name=""/>
+        <p:cNvGrpSpPr/>
+        <p:nvPr/>
+      </p:nvGrpSpPr>
+      <p:grpSpPr>
+        <a:xfrm>
+          <a:off x="0" y="0"/>
+          <a:ext cx="0" cy="0"/>
+          <a:chOff x="0" y="0"/>
+          <a:chExt cx="0" cy="0"/>
+        </a:xfrm>
+      </p:grpSpPr>
+      <p:pic>
+        <p:nvPicPr>
+          <p:cNvPr id="7" name="Picture 6" descr="3524_CM_exitpowerpoint_V5nologo7_crop.jpg"/>
+          <p:cNvPicPr>
+            <a:picLocks noChangeAspect="1"/>
+          </p:cNvPicPr>
+          <p:nvPr/>
+        </p:nvPicPr>
+        <p:blipFill>
+          <a:blip r:embed="rId2">
+            <a:extLst>
+              <a:ext uri="{28A0092B-C50C-407E-A947-70E740481C1C}">
+                <a14:useLocalDpi xmlns:a14="http://schemas.microsoft.com/office/drawing/2010/main" val="0"/>
+              </a:ext>
+            </a:extLst>
+          </a:blip>
+          <a:stretch>
+            <a:fillRect/>
+          </a:stretch>
+        </p:blipFill>
+        <p:spPr>
+          <a:xfrm>
+            <a:off x="0" y="1"/>
+            <a:ext cx="3249168" cy="6858000"/>
+          </a:xfrm>
+          <a:prstGeom prst="rect">
+            <a:avLst/>
+          </a:prstGeom>
+        </p:spPr>
+      </p:pic>
+      <p:sp>
+        <p:nvSpPr>
+          <p:cNvPr id="2" name="Title 1"/>
+          <p:cNvSpPr>
+            <a:spLocks noGrp="1"/>
+          </p:cNvSpPr>
+          <p:nvPr>
+            <p:ph type="ctrTitle"/>
+          </p:nvPr>
+        </p:nvSpPr>
+        <p:spPr/>
+        <p:txBody>
+          <a:bodyPr/>
+          <a:lstStyle/>
+          <a:p>
+            <a:r>
+              <a:rPr lang="en-CA" dirty="0" smtClean="0"/>
+              <a:t>Demonstration</a:t>
+            </a:r>
+            <a:endParaRPr lang="en-CA" dirty="0"/>
+          </a:p>
+        </p:txBody>
+      </p:sp>
+      <p:pic>
+        <p:nvPicPr>
+          <p:cNvPr id="1028" name="Picture 4"/>
+          <p:cNvPicPr>
+            <a:picLocks noChangeAspect="1" noChangeArrowheads="1"/>
+          </p:cNvPicPr>
+          <p:nvPr/>
+        </p:nvPicPr>
+        <p:blipFill>
+          <a:blip r:embed="rId3">
+            <a:extLst>
+              <a:ext uri="{28A0092B-C50C-407E-A947-70E740481C1C}">
+                <a14:useLocalDpi xmlns:a14="http://schemas.microsoft.com/office/drawing/2010/main" val="0"/>
+              </a:ext>
+            </a:extLst>
+          </a:blip>
+          <a:srcRect/>
+          <a:stretch>
+            <a:fillRect/>
+          </a:stretch>
+        </p:blipFill>
+        <p:spPr bwMode="auto">
+          <a:xfrm>
+            <a:off x="477486" y="5237163"/>
+            <a:ext cx="2295525" cy="1057275"/>
+          </a:xfrm>
+          <a:prstGeom prst="rect">
+            <a:avLst/>
+          </a:prstGeom>
+          <a:noFill/>
+          <a:ln>
+            <a:noFill/>
+          </a:ln>
+          <a:extLst>
+            <a:ext uri="{909E8E84-426E-40dd-AFC4-6F175D3DCCD1}">
+              <a14:hiddenFill xmlns:a14="http://schemas.microsoft.com/office/drawing/2010/main" xmlns="">
+                <a:solidFill>
+                  <a:schemeClr val="accent1"/>
+                </a:solidFill>
+              </a14:hiddenFill>
+            </a:ext>
+            <a:ext uri="{91240B29-F687-4f45-9708-019B960494DF}">
+              <a14:hiddenLine xmlns:a14="http://schemas.microsoft.com/office/drawing/2010/main" xmlns="" w="9525">
                 <a:solidFill>
                   <a:schemeClr val="tx1"/>
                 </a:solidFill>
@@ -5491,14 +5777,14 @@
           </a:ln>
           <a:extLst>
             <a:ext uri="{909E8E84-426E-40dd-AFC4-6F175D3DCCD1}">
-              <a14:hiddenFill xmlns="" xmlns:a14="http://schemas.microsoft.com/office/drawing/2010/main">
+              <a14:hiddenFill xmlns:a14="http://schemas.microsoft.com/office/drawing/2010/main" xmlns="">
                 <a:solidFill>
                   <a:schemeClr val="accent1"/>
                 </a:solidFill>
               </a14:hiddenFill>
             </a:ext>
             <a:ext uri="{91240B29-F687-4f45-9708-019B960494DF}">
-              <a14:hiddenLine xmlns="" xmlns:a14="http://schemas.microsoft.com/office/drawing/2010/main" w="9525">
+              <a14:hiddenLine xmlns:a14="http://schemas.microsoft.com/office/drawing/2010/main" xmlns="" w="9525">
                 <a:solidFill>
                   <a:schemeClr val="tx1"/>
                 </a:solidFill>
@@ -5721,14 +6007,14 @@
           </a:ln>
           <a:extLst>
             <a:ext uri="{909E8E84-426E-40dd-AFC4-6F175D3DCCD1}">
-              <a14:hiddenFill xmlns="" xmlns:a14="http://schemas.microsoft.com/office/drawing/2010/main">
+              <a14:hiddenFill xmlns:a14="http://schemas.microsoft.com/office/drawing/2010/main" xmlns="">
                 <a:solidFill>
                   <a:schemeClr val="accent1"/>
                 </a:solidFill>
               </a14:hiddenFill>
             </a:ext>
             <a:ext uri="{91240B29-F687-4f45-9708-019B960494DF}">
-              <a14:hiddenLine xmlns="" xmlns:a14="http://schemas.microsoft.com/office/drawing/2010/main" w="9525">
+              <a14:hiddenLine xmlns:a14="http://schemas.microsoft.com/office/drawing/2010/main" xmlns="" w="9525">
                 <a:solidFill>
                   <a:schemeClr val="tx1"/>
                 </a:solidFill>
@@ -5859,10 +6145,51 @@
             <a:endParaRPr lang="en-CA" dirty="0"/>
           </a:p>
           <a:p>
+            <a:pPr marL="285750" indent="-285750">
+              <a:buFontTx/>
+              <a:buChar char="-"/>
+            </a:pPr>
             <a:r>
               <a:rPr lang="en-CA" dirty="0" smtClean="0"/>
-              <a:t>The tool is a fun game for children to play that teaches the basic fundamentals of programming with ease.</a:t>
-            </a:r>
+              <a:t>The </a:t>
+            </a:r>
+            <a:r>
+              <a:rPr lang="en-CA" dirty="0" smtClean="0"/>
+              <a:t>tool is a fun game for children to </a:t>
+            </a:r>
+            <a:r>
+              <a:rPr lang="en-CA" dirty="0" smtClean="0"/>
+              <a:t>play</a:t>
+            </a:r>
+          </a:p>
+          <a:p>
+            <a:pPr marL="285750" indent="-285750">
+              <a:buFontTx/>
+              <a:buChar char="-"/>
+            </a:pPr>
+            <a:r>
+              <a:rPr lang="en-CA" dirty="0" smtClean="0"/>
+              <a:t>The game </a:t>
+            </a:r>
+            <a:r>
+              <a:rPr lang="en-CA" dirty="0" smtClean="0"/>
+              <a:t>teaches the basic fundamentals of programming with ease</a:t>
+            </a:r>
+            <a:r>
+              <a:rPr lang="en-CA" dirty="0" smtClean="0"/>
+              <a:t>.</a:t>
+            </a:r>
+          </a:p>
+          <a:p>
+            <a:pPr marL="285750" indent="-285750">
+              <a:buFontTx/>
+              <a:buChar char="-"/>
+            </a:pPr>
+            <a:r>
+              <a:rPr lang="en-CA" dirty="0" smtClean="0"/>
+              <a:t>The fundamentals taught are not strict in definition.</a:t>
+            </a:r>
+            <a:endParaRPr lang="en-CA" dirty="0" smtClean="0"/>
           </a:p>
           <a:p>
             <a:endParaRPr lang="en-CA" dirty="0"/>
@@ -5870,18 +6197,12 @@
           <a:p>
             <a:r>
               <a:rPr lang="en-CA" dirty="0" smtClean="0"/>
-              <a:t>Throughout the game, the user will have to navigate a bunny through different challenges on a map.</a:t>
-            </a:r>
-          </a:p>
-          <a:p>
-            <a:endParaRPr lang="en-CA" dirty="0"/>
-          </a:p>
-          <a:p>
+              <a:t>Throughout the game, the user will have to navigate a bunny through different challenges on a map</a:t>
+            </a:r>
             <a:r>
               <a:rPr lang="en-CA" dirty="0" smtClean="0"/>
-              <a:t>The bunny will travel through portals, will change directions through arrows, and will travel to other levels all to demonstrate the basic programming logic.</a:t>
-            </a:r>
-            <a:endParaRPr lang="en-CA" dirty="0"/>
+              <a:t>.</a:t>
+            </a:r>
           </a:p>
         </p:txBody>
       </p:sp>
@@ -5920,14 +6241,14 @@
           </a:ln>
           <a:extLst>
             <a:ext uri="{909E8E84-426E-40dd-AFC4-6F175D3DCCD1}">
-              <a14:hiddenFill xmlns="" xmlns:a14="http://schemas.microsoft.com/office/drawing/2010/main">
+              <a14:hiddenFill xmlns:a14="http://schemas.microsoft.com/office/drawing/2010/main" xmlns="">
                 <a:solidFill>
                   <a:schemeClr val="accent1"/>
                 </a:solidFill>
               </a14:hiddenFill>
             </a:ext>
             <a:ext uri="{91240B29-F687-4f45-9708-019B960494DF}">
-              <a14:hiddenLine xmlns="" xmlns:a14="http://schemas.microsoft.com/office/drawing/2010/main" w="9525">
+              <a14:hiddenLine xmlns:a14="http://schemas.microsoft.com/office/drawing/2010/main" xmlns="" w="9525">
                 <a:solidFill>
                   <a:schemeClr val="tx1"/>
                 </a:solidFill>
@@ -6092,14 +6413,14 @@
           </a:ln>
           <a:extLst>
             <a:ext uri="{909E8E84-426E-40dd-AFC4-6F175D3DCCD1}">
-              <a14:hiddenFill xmlns="" xmlns:a14="http://schemas.microsoft.com/office/drawing/2010/main">
+              <a14:hiddenFill xmlns:a14="http://schemas.microsoft.com/office/drawing/2010/main" xmlns="">
                 <a:solidFill>
                   <a:schemeClr val="accent1"/>
                 </a:solidFill>
               </a14:hiddenFill>
             </a:ext>
             <a:ext uri="{91240B29-F687-4f45-9708-019B960494DF}">
-              <a14:hiddenLine xmlns="" xmlns:a14="http://schemas.microsoft.com/office/drawing/2010/main" w="9525">
+              <a14:hiddenLine xmlns:a14="http://schemas.microsoft.com/office/drawing/2010/main" xmlns="" w="9525">
                 <a:solidFill>
                   <a:schemeClr val="tx1"/>
                 </a:solidFill>
@@ -6585,7 +6906,7 @@
         </p:spPr>
         <p:txBody>
           <a:bodyPr>
-            <a:normAutofit lnSpcReduction="10000"/>
+            <a:normAutofit/>
           </a:bodyPr>
           <a:lstStyle/>
           <a:p>
@@ -6600,16 +6921,51 @@
           <a:p>
             <a:r>
               <a:rPr lang="en-CA" dirty="0" smtClean="0"/>
-              <a:t>XP is an agile programming methodology that allows for constant review and redesign.</a:t>
-            </a:r>
-          </a:p>
-          <a:p>
-            <a:endParaRPr lang="en-CA" dirty="0"/>
-          </a:p>
-          <a:p>
+              <a:t> 	- XP </a:t>
+            </a:r>
             <a:r>
               <a:rPr lang="en-CA" dirty="0" smtClean="0"/>
-              <a:t>XP has a main programmer and a secondary observer that observes the programming and acts as a live debugger, checking for errors and offering suggestions.</a:t>
+              <a:t>is an agile programming </a:t>
+            </a:r>
+            <a:r>
+              <a:rPr lang="en-CA" dirty="0" smtClean="0"/>
+              <a:t>methodology</a:t>
+            </a:r>
+          </a:p>
+          <a:p>
+            <a:r>
+              <a:rPr lang="en-CA" dirty="0" smtClean="0"/>
+              <a:t>	 </a:t>
+            </a:r>
+            <a:r>
+              <a:rPr lang="en-CA" dirty="0"/>
+              <a:t>- A</a:t>
+            </a:r>
+            <a:r>
+              <a:rPr lang="en-CA" dirty="0" smtClean="0"/>
+              <a:t>llows </a:t>
+            </a:r>
+            <a:r>
+              <a:rPr lang="en-CA" dirty="0"/>
+              <a:t>for constant review and </a:t>
+            </a:r>
+            <a:r>
+              <a:rPr lang="en-CA" dirty="0" smtClean="0"/>
+              <a:t>redesign</a:t>
+            </a:r>
+          </a:p>
+          <a:p>
+            <a:r>
+              <a:rPr lang="en-CA" dirty="0" smtClean="0"/>
+              <a:t>	- XP </a:t>
+            </a:r>
+            <a:r>
+              <a:rPr lang="en-CA" dirty="0" smtClean="0"/>
+              <a:t>has a main programmer and a </a:t>
+            </a:r>
+            <a:r>
+              <a:rPr lang="en-CA" dirty="0" smtClean="0"/>
+              <a:t>secondary 	  observer</a:t>
             </a:r>
           </a:p>
           <a:p>
@@ -6659,14 +7015,14 @@
           </a:ln>
           <a:extLst>
             <a:ext uri="{909E8E84-426E-40dd-AFC4-6F175D3DCCD1}">
-              <a14:hiddenFill xmlns="" xmlns:a14="http://schemas.microsoft.com/office/drawing/2010/main">
+              <a14:hiddenFill xmlns:a14="http://schemas.microsoft.com/office/drawing/2010/main" xmlns="">
                 <a:solidFill>
                   <a:schemeClr val="accent1"/>
                 </a:solidFill>
               </a14:hiddenFill>
             </a:ext>
             <a:ext uri="{91240B29-F687-4f45-9708-019B960494DF}">
-              <a14:hiddenLine xmlns="" xmlns:a14="http://schemas.microsoft.com/office/drawing/2010/main" w="9525">
+              <a14:hiddenLine xmlns:a14="http://schemas.microsoft.com/office/drawing/2010/main" xmlns="" w="9525">
                 <a:solidFill>
                   <a:schemeClr val="tx1"/>
                 </a:solidFill>
@@ -6794,21 +7150,48 @@
             </a:r>
           </a:p>
           <a:p>
-            <a:endParaRPr lang="en-CA" dirty="0"/>
-          </a:p>
-          <a:p>
+            <a:r>
+              <a:rPr lang="en-CA" dirty="0"/>
+              <a:t>	</a:t>
+            </a:r>
+            <a:endParaRPr lang="en-CA" dirty="0" smtClean="0"/>
+          </a:p>
+          <a:p>
+            <a:r>
+              <a:rPr lang="en-CA" dirty="0"/>
+              <a:t>	</a:t>
+            </a:r>
             <a:r>
               <a:rPr lang="en-CA" dirty="0" smtClean="0"/>
-              <a:t>We understood that a child aged 5-7 cannot understand basic algebra and many other concepts that are the foundation of programming.</a:t>
-            </a:r>
-          </a:p>
-          <a:p>
+              <a:t>- W</a:t>
+            </a:r>
+            <a:r>
+              <a:rPr lang="en-CA" dirty="0" smtClean="0"/>
+              <a:t>e cannot assume that a child can understand    	  strictly defined programming concepts.</a:t>
+            </a:r>
+          </a:p>
+          <a:p>
+            <a:r>
+              <a:rPr lang="en-CA" dirty="0"/>
+              <a:t>	</a:t>
+            </a:r>
+            <a:r>
+              <a:rPr lang="en-CA" dirty="0" smtClean="0"/>
+              <a:t>- We cannot assume that a child can operate a 	  text based learning tool effectively.</a:t>
+            </a:r>
             <a:endParaRPr lang="en-CA" dirty="0" smtClean="0"/>
           </a:p>
           <a:p>
+            <a:endParaRPr lang="en-CA" dirty="0" smtClean="0"/>
+          </a:p>
+          <a:p>
             <a:r>
               <a:rPr lang="en-CA" dirty="0" smtClean="0"/>
-              <a:t>The tool includes four unique obstacles in the map that help get these four core programming concepts across.</a:t>
+              <a:t>The </a:t>
+            </a:r>
+            <a:r>
+              <a:rPr lang="en-CA" dirty="0" smtClean="0"/>
+              <a:t>tool includes four unique obstacles in the map that help get these four core programming concepts across.</a:t>
             </a:r>
             <a:endParaRPr lang="en-CA" dirty="0"/>
           </a:p>
@@ -6852,14 +7235,14 @@
           </a:ln>
           <a:extLst>
             <a:ext uri="{909E8E84-426E-40dd-AFC4-6F175D3DCCD1}">
-              <a14:hiddenFill xmlns="" xmlns:a14="http://schemas.microsoft.com/office/drawing/2010/main">
+              <a14:hiddenFill xmlns:a14="http://schemas.microsoft.com/office/drawing/2010/main" xmlns="">
                 <a:solidFill>
                   <a:schemeClr val="accent1"/>
                 </a:solidFill>
               </a14:hiddenFill>
             </a:ext>
             <a:ext uri="{91240B29-F687-4f45-9708-019B960494DF}">
-              <a14:hiddenLine xmlns="" xmlns:a14="http://schemas.microsoft.com/office/drawing/2010/main" w="9525">
+              <a14:hiddenLine xmlns:a14="http://schemas.microsoft.com/office/drawing/2010/main" xmlns="" w="9525">
                 <a:solidFill>
                   <a:schemeClr val="tx1"/>
                 </a:solidFill>
@@ -6987,23 +7370,36 @@
             </a:r>
           </a:p>
           <a:p>
+            <a:endParaRPr lang="en-CA" dirty="0" smtClean="0"/>
+          </a:p>
+          <a:p>
+            <a:r>
+              <a:rPr lang="en-CA" dirty="0"/>
+              <a:t>	</a:t>
+            </a:r>
+            <a:r>
+              <a:rPr lang="en-CA" dirty="0" smtClean="0"/>
+              <a:t>- Carrots are collected throughout the map.</a:t>
+            </a:r>
             <a:endParaRPr lang="en-CA" dirty="0"/>
           </a:p>
           <a:p>
             <a:r>
               <a:rPr lang="en-CA" dirty="0" smtClean="0"/>
-              <a:t>These carrots are collected throughout the map and are used to gain entry into Bob the Bunny’s house or into the next level.</a:t>
-            </a:r>
-          </a:p>
-          <a:p>
+              <a:t>	- Carrots are used to gain entry into Bob’s house.</a:t>
+            </a:r>
             <a:endParaRPr lang="en-CA" dirty="0"/>
           </a:p>
           <a:p>
             <a:r>
+              <a:rPr lang="en-CA" dirty="0"/>
+              <a:t>	</a:t>
+            </a:r>
+            <a:r>
               <a:rPr lang="en-CA" dirty="0" smtClean="0"/>
-              <a:t>These carrots act as simple integer variables.  Bob can carry multiple carrots and are used to limit access into game areas based on the number of carrots that Bob is currently carrying.</a:t>
-            </a:r>
-            <a:endParaRPr lang="en-CA" dirty="0"/>
+              <a:t>- Carrots are simple integer variables.</a:t>
+            </a:r>
+            <a:endParaRPr lang="en-CA" dirty="0" smtClean="0"/>
           </a:p>
         </p:txBody>
       </p:sp>
@@ -7042,14 +7438,14 @@
           </a:ln>
           <a:extLst>
             <a:ext uri="{909E8E84-426E-40dd-AFC4-6F175D3DCCD1}">
-              <a14:hiddenFill xmlns="" xmlns:a14="http://schemas.microsoft.com/office/drawing/2010/main">
+              <a14:hiddenFill xmlns:a14="http://schemas.microsoft.com/office/drawing/2010/main" xmlns="">
                 <a:solidFill>
                   <a:schemeClr val="accent1"/>
                 </a:solidFill>
               </a14:hiddenFill>
             </a:ext>
             <a:ext uri="{91240B29-F687-4f45-9708-019B960494DF}">
-              <a14:hiddenLine xmlns="" xmlns:a14="http://schemas.microsoft.com/office/drawing/2010/main" w="9525">
+              <a14:hiddenLine xmlns:a14="http://schemas.microsoft.com/office/drawing/2010/main" xmlns="" w="9525">
                 <a:solidFill>
                   <a:schemeClr val="tx1"/>
                 </a:solidFill>
@@ -7173,26 +7569,50 @@
           <a:p>
             <a:r>
               <a:rPr lang="en-CA" dirty="0" smtClean="0"/>
-              <a:t>Our system uses specific arrows to change the direction of Bob the Bunny.</a:t>
-            </a:r>
-          </a:p>
-          <a:p>
+              <a:t>Our system uses specific </a:t>
+            </a:r>
+            <a:r>
+              <a:rPr lang="en-CA" dirty="0" smtClean="0"/>
+              <a:t>arrows and checks </a:t>
+            </a:r>
+            <a:r>
+              <a:rPr lang="en-CA" dirty="0" smtClean="0"/>
+              <a:t>to change the direction of Bob the </a:t>
+            </a:r>
+            <a:r>
+              <a:rPr lang="en-CA" dirty="0" smtClean="0"/>
+              <a:t>Bunny</a:t>
+            </a:r>
             <a:endParaRPr lang="en-CA" dirty="0"/>
           </a:p>
           <a:p>
             <a:r>
               <a:rPr lang="en-CA" dirty="0" smtClean="0"/>
-              <a:t>These arrows change the direction of the bunny’s travel if the bunny is not travelling in the arrow.</a:t>
-            </a:r>
-          </a:p>
-          <a:p>
-            <a:endParaRPr lang="en-CA" dirty="0"/>
-          </a:p>
-          <a:p>
+              <a:t>	</a:t>
+            </a:r>
+          </a:p>
+          <a:p>
+            <a:r>
+              <a:rPr lang="en-CA" dirty="0"/>
+              <a:t>	</a:t>
+            </a:r>
             <a:r>
               <a:rPr lang="en-CA" dirty="0" smtClean="0"/>
-              <a:t>These arrows are condition statements in principle. They teach the child that if the bunny is not going in the direction of the arrow, then the bunny will change directions.</a:t>
-            </a:r>
+              <a:t>- Arrows change the direction of the bunny</a:t>
+            </a:r>
+          </a:p>
+          <a:p>
+            <a:r>
+              <a:rPr lang="en-CA" dirty="0"/>
+              <a:t>	</a:t>
+            </a:r>
+            <a:r>
+              <a:rPr lang="en-CA" dirty="0" smtClean="0"/>
+              <a:t>- Carrot checks deny or allow entry to his house</a:t>
+            </a:r>
+            <a:endParaRPr lang="en-CA" dirty="0" smtClean="0"/>
+          </a:p>
+          <a:p>
             <a:endParaRPr lang="en-CA" dirty="0"/>
           </a:p>
         </p:txBody>
@@ -7232,14 +7652,14 @@
           </a:ln>
           <a:extLst>
             <a:ext uri="{909E8E84-426E-40dd-AFC4-6F175D3DCCD1}">
-              <a14:hiddenFill xmlns="" xmlns:a14="http://schemas.microsoft.com/office/drawing/2010/main">
+              <a14:hiddenFill xmlns:a14="http://schemas.microsoft.com/office/drawing/2010/main" xmlns="">
                 <a:solidFill>
                   <a:schemeClr val="accent1"/>
                 </a:solidFill>
               </a14:hiddenFill>
             </a:ext>
             <a:ext uri="{91240B29-F687-4f45-9708-019B960494DF}">
-              <a14:hiddenLine xmlns="" xmlns:a14="http://schemas.microsoft.com/office/drawing/2010/main" w="9525">
+              <a14:hiddenLine xmlns:a14="http://schemas.microsoft.com/office/drawing/2010/main" xmlns="" w="9525">
                 <a:solidFill>
                   <a:schemeClr val="tx1"/>
                 </a:solidFill>
